--- a/Carpooling.pptx
+++ b/Carpooling.pptx
@@ -20,7 +20,8 @@
     <p:sldId id="268" r:id="rId14"/>
     <p:sldId id="269" r:id="rId15"/>
     <p:sldId id="270" r:id="rId16"/>
-    <p:sldId id="271" r:id="rId17"/>
+    <p:sldId id="272" r:id="rId17"/>
+    <p:sldId id="271" r:id="rId18"/>
   </p:sldIdLst>
   <p:sldSz cx="12192000" cy="6858000"/>
   <p:notesSz cx="6858000" cy="9144000"/>
@@ -119,6 +120,11 @@
       </a:defRPr>
     </a:lvl9pPr>
   </p:defaultTextStyle>
+  <p:extLst>
+    <p:ext uri="{EFAFB233-063F-42B5-8137-9DF3F51BA10A}">
+      <p15:sldGuideLst xmlns:p15="http://schemas.microsoft.com/office/powerpoint/2012/main"/>
+    </p:ext>
+  </p:extLst>
 </p:presentation>
 </file>
 
@@ -6078,6 +6084,91 @@
           </a:p>
         </p:txBody>
       </p:sp>
+      <p:sp>
+        <p:nvSpPr>
+          <p:cNvPr id="4" name="ZoneTexte 3">
+            <a:extLst>
+              <a:ext uri="{FF2B5EF4-FFF2-40B4-BE49-F238E27FC236}">
+                <a16:creationId xmlns:a16="http://schemas.microsoft.com/office/drawing/2014/main" id="{A659FA2D-6FC4-41FB-9802-657421F34AD5}"/>
+              </a:ext>
+            </a:extLst>
+          </p:cNvPr>
+          <p:cNvSpPr txBox="1"/>
+          <p:nvPr/>
+        </p:nvSpPr>
+        <p:spPr>
+          <a:xfrm>
+            <a:off x="1163054" y="5783179"/>
+            <a:ext cx="3608680" cy="338554"/>
+          </a:xfrm>
+          <a:prstGeom prst="rect">
+            <a:avLst/>
+          </a:prstGeom>
+          <a:noFill/>
+        </p:spPr>
+        <p:txBody>
+          <a:bodyPr wrap="none" rtlCol="0">
+            <a:spAutoFit/>
+          </a:bodyPr>
+          <a:lstStyle/>
+          <a:p>
+            <a:pPr>
+              <a:spcBef>
+                <a:spcPts val="1000"/>
+              </a:spcBef>
+              <a:buClr>
+                <a:schemeClr val="bg2">
+                  <a:lumMod val="40000"/>
+                  <a:lumOff val="60000"/>
+                </a:schemeClr>
+              </a:buClr>
+              <a:buSzPct val="80000"/>
+            </a:pPr>
+            <a:r>
+              <a:rPr lang="fr-BE" sz="1600" cap="all" dirty="0">
+                <a:solidFill>
+                  <a:schemeClr val="bg2">
+                    <a:lumMod val="40000"/>
+                    <a:lumOff val="60000"/>
+                  </a:schemeClr>
+                </a:solidFill>
+                <a:latin typeface="+mj-lt"/>
+                <a:ea typeface="+mj-ea"/>
+                <a:cs typeface="+mj-cs"/>
+              </a:rPr>
+              <a:t>By Bol Axel and </a:t>
+            </a:r>
+            <a:r>
+              <a:rPr lang="fr-BE" sz="1600" cap="all" dirty="0" err="1">
+                <a:solidFill>
+                  <a:schemeClr val="bg2">
+                    <a:lumMod val="40000"/>
+                    <a:lumOff val="60000"/>
+                  </a:schemeClr>
+                </a:solidFill>
+                <a:latin typeface="+mj-lt"/>
+                <a:ea typeface="+mj-ea"/>
+                <a:cs typeface="+mj-cs"/>
+              </a:rPr>
+              <a:t>Zaretti</a:t>
+            </a:r>
+            <a:r>
+              <a:rPr lang="fr-BE" sz="1600" cap="all" dirty="0">
+                <a:solidFill>
+                  <a:schemeClr val="bg2">
+                    <a:lumMod val="40000"/>
+                    <a:lumOff val="60000"/>
+                  </a:schemeClr>
+                </a:solidFill>
+                <a:latin typeface="+mj-lt"/>
+                <a:ea typeface="+mj-ea"/>
+                <a:cs typeface="+mj-cs"/>
+              </a:rPr>
+              <a:t> Quentin</a:t>
+            </a:r>
+          </a:p>
+        </p:txBody>
+      </p:sp>
     </p:spTree>
     <p:extLst>
       <p:ext uri="{BB962C8B-B14F-4D97-AF65-F5344CB8AC3E}">
@@ -6436,31 +6527,6 @@
               <a:t> Diagram</a:t>
             </a:r>
             <a:endParaRPr lang="fr-FR" dirty="0"/>
-          </a:p>
-        </p:txBody>
-      </p:sp>
-      <p:sp>
-        <p:nvSpPr>
-          <p:cNvPr id="3" name="Espace réservé du contenu 2">
-            <a:extLst>
-              <a:ext uri="{FF2B5EF4-FFF2-40B4-BE49-F238E27FC236}">
-                <a16:creationId xmlns:a16="http://schemas.microsoft.com/office/drawing/2014/main" id="{64B55A0F-B02E-40EE-81D0-9494CD0BE871}"/>
-              </a:ext>
-            </a:extLst>
-          </p:cNvPr>
-          <p:cNvSpPr>
-            <a:spLocks noGrp="1"/>
-          </p:cNvSpPr>
-          <p:nvPr>
-            <p:ph idx="1"/>
-          </p:nvPr>
-        </p:nvSpPr>
-        <p:spPr/>
-        <p:txBody>
-          <a:bodyPr/>
-          <a:lstStyle/>
-          <a:p>
-            <a:endParaRPr lang="fr-FR"/>
           </a:p>
         </p:txBody>
       </p:sp>
@@ -6703,6 +6769,69 @@
           <p:cNvPr id="2" name="Titre 1">
             <a:extLst>
               <a:ext uri="{FF2B5EF4-FFF2-40B4-BE49-F238E27FC236}">
+                <a16:creationId xmlns:a16="http://schemas.microsoft.com/office/drawing/2014/main" id="{13727D86-E488-4812-BC61-461B579F930A}"/>
+              </a:ext>
+            </a:extLst>
+          </p:cNvPr>
+          <p:cNvSpPr>
+            <a:spLocks noGrp="1"/>
+          </p:cNvSpPr>
+          <p:nvPr>
+            <p:ph type="title"/>
+          </p:nvPr>
+        </p:nvSpPr>
+        <p:spPr>
+          <a:xfrm>
+            <a:off x="782468" y="2923202"/>
+            <a:ext cx="9404723" cy="1400530"/>
+          </a:xfrm>
+        </p:spPr>
+        <p:txBody>
+          <a:bodyPr/>
+          <a:lstStyle/>
+          <a:p>
+            <a:r>
+              <a:rPr lang="en-GB" dirty="0"/>
+              <a:t>Demonstration of the program</a:t>
+            </a:r>
+          </a:p>
+        </p:txBody>
+      </p:sp>
+    </p:spTree>
+    <p:extLst>
+      <p:ext uri="{BB962C8B-B14F-4D97-AF65-F5344CB8AC3E}">
+        <p14:creationId xmlns:p14="http://schemas.microsoft.com/office/powerpoint/2010/main" val="3286905696"/>
+      </p:ext>
+    </p:extLst>
+  </p:cSld>
+  <p:clrMapOvr>
+    <a:masterClrMapping/>
+  </p:clrMapOvr>
+</p:sld>
+</file>
+
+<file path=ppt/slides/slide17.xml><?xml version="1.0" encoding="utf-8"?>
+<p:sld xmlns:a="http://schemas.openxmlformats.org/drawingml/2006/main" xmlns:r="http://schemas.openxmlformats.org/officeDocument/2006/relationships" xmlns:p="http://schemas.openxmlformats.org/presentationml/2006/main">
+  <p:cSld>
+    <p:spTree>
+      <p:nvGrpSpPr>
+        <p:cNvPr id="1" name=""/>
+        <p:cNvGrpSpPr/>
+        <p:nvPr/>
+      </p:nvGrpSpPr>
+      <p:grpSpPr>
+        <a:xfrm>
+          <a:off x="0" y="0"/>
+          <a:ext cx="0" cy="0"/>
+          <a:chOff x="0" y="0"/>
+          <a:chExt cx="0" cy="0"/>
+        </a:xfrm>
+      </p:grpSpPr>
+      <p:sp>
+        <p:nvSpPr>
+          <p:cNvPr id="2" name="Titre 1">
+            <a:extLst>
+              <a:ext uri="{FF2B5EF4-FFF2-40B4-BE49-F238E27FC236}">
                 <a16:creationId xmlns:a16="http://schemas.microsoft.com/office/drawing/2014/main" id="{5EF5AB8D-194A-4233-92B0-054931A0F376}"/>
               </a:ext>
             </a:extLst>
@@ -7128,90 +7257,44 @@
           <a:lstStyle/>
           <a:p>
             <a:r>
-              <a:rPr lang="fr-FR" dirty="0" err="1"/>
+              <a:rPr lang="en-GB" dirty="0"/>
               <a:t>Analysis</a:t>
             </a:r>
-            <a:endParaRPr lang="fr-FR" dirty="0"/>
           </a:p>
           <a:p>
             <a:pPr lvl="1"/>
             <a:r>
-              <a:rPr lang="fr-FR" dirty="0"/>
-              <a:t>UML </a:t>
-            </a:r>
-            <a:r>
-              <a:rPr lang="fr-FR" dirty="0" err="1"/>
-              <a:t>diagram</a:t>
-            </a:r>
-            <a:r>
-              <a:rPr lang="fr-FR" dirty="0"/>
-              <a:t> design</a:t>
+              <a:rPr lang="en-GB" dirty="0"/>
+              <a:t>UML diagram design</a:t>
             </a:r>
           </a:p>
           <a:p>
             <a:pPr lvl="2"/>
             <a:r>
-              <a:rPr lang="fr-FR" dirty="0"/>
+              <a:rPr lang="en-GB" dirty="0"/>
               <a:t>Class structure and association</a:t>
             </a:r>
           </a:p>
           <a:p>
             <a:pPr lvl="1"/>
             <a:r>
-              <a:rPr lang="fr-FR" dirty="0"/>
+              <a:rPr lang="en-GB" dirty="0"/>
               <a:t>Labour division</a:t>
             </a:r>
           </a:p>
           <a:p>
             <a:pPr lvl="1"/>
             <a:r>
-              <a:rPr lang="fr-FR" dirty="0"/>
-              <a:t>Meeting </a:t>
-            </a:r>
-            <a:r>
-              <a:rPr lang="fr-FR" dirty="0" err="1"/>
-              <a:t>scheduling</a:t>
-            </a:r>
-            <a:endParaRPr lang="fr-FR" dirty="0"/>
+              <a:rPr lang="en-GB" dirty="0"/>
+              <a:t>Meeting scheduling</a:t>
+            </a:r>
           </a:p>
           <a:p>
             <a:pPr lvl="1"/>
             <a:r>
-              <a:rPr lang="fr-FR" dirty="0" err="1"/>
-              <a:t>Idea</a:t>
-            </a:r>
-            <a:r>
-              <a:rPr lang="fr-FR" dirty="0"/>
-              <a:t> </a:t>
-            </a:r>
-            <a:r>
-              <a:rPr lang="fr-FR" dirty="0" err="1"/>
-              <a:t>development</a:t>
-            </a:r>
-            <a:r>
-              <a:rPr lang="fr-FR" dirty="0"/>
-              <a:t> </a:t>
-            </a:r>
-          </a:p>
-          <a:p>
-            <a:pPr lvl="1"/>
-            <a:r>
-              <a:rPr lang="fr-FR" dirty="0" err="1"/>
-              <a:t>Analysis</a:t>
-            </a:r>
-            <a:r>
-              <a:rPr lang="fr-FR" dirty="0"/>
-              <a:t> file </a:t>
-            </a:r>
-            <a:r>
-              <a:rPr lang="fr-FR" dirty="0" err="1"/>
-              <a:t>writing</a:t>
-            </a:r>
-            <a:endParaRPr lang="fr-FR" dirty="0"/>
-          </a:p>
-          <a:p>
-            <a:pPr lvl="1"/>
-            <a:endParaRPr lang="fr-FR" dirty="0"/>
+              <a:rPr lang="en-GB" dirty="0"/>
+              <a:t>Idea development</a:t>
+            </a:r>
           </a:p>
           <a:p>
             <a:endParaRPr lang="fr-FR" dirty="0"/>
@@ -7474,55 +7557,40 @@
           </a:lstStyle>
           <a:p>
             <a:r>
-              <a:rPr lang="fr-FR" dirty="0" err="1"/>
+              <a:rPr lang="en-GB" dirty="0"/>
               <a:t>Programming</a:t>
             </a:r>
-            <a:endParaRPr lang="fr-FR" dirty="0"/>
           </a:p>
           <a:p>
             <a:pPr lvl="1"/>
             <a:r>
-              <a:rPr lang="fr-BE" dirty="0"/>
-              <a:t>GitHub </a:t>
-            </a:r>
-            <a:r>
-              <a:rPr lang="fr-BE" dirty="0" err="1"/>
-              <a:t>creation</a:t>
-            </a:r>
-            <a:endParaRPr lang="fr-BE" dirty="0"/>
+              <a:rPr lang="en-GB" dirty="0"/>
+              <a:t>GitHub creation</a:t>
+            </a:r>
           </a:p>
           <a:p>
             <a:pPr lvl="1"/>
             <a:r>
-              <a:rPr lang="fr-BE" dirty="0"/>
-              <a:t>Class </a:t>
-            </a:r>
-            <a:r>
-              <a:rPr lang="fr-BE" dirty="0" err="1"/>
-              <a:t>implementation</a:t>
-            </a:r>
-            <a:endParaRPr lang="fr-BE" dirty="0"/>
+              <a:rPr lang="en-GB" dirty="0"/>
+              <a:t>Class implementation</a:t>
+            </a:r>
           </a:p>
           <a:p>
             <a:pPr lvl="1"/>
             <a:r>
-              <a:rPr lang="fr-BE" dirty="0" err="1"/>
+              <a:rPr lang="en-GB" dirty="0" err="1"/>
               <a:t>Asp.Net</a:t>
             </a:r>
             <a:r>
-              <a:rPr lang="fr-BE" dirty="0"/>
+              <a:rPr lang="en-GB" dirty="0"/>
               <a:t> use</a:t>
             </a:r>
           </a:p>
           <a:p>
             <a:pPr lvl="2"/>
             <a:r>
-              <a:rPr lang="fr-BE" dirty="0" err="1"/>
-              <a:t>Entity</a:t>
-            </a:r>
-            <a:r>
-              <a:rPr lang="fr-BE" dirty="0"/>
-              <a:t> Framework</a:t>
+              <a:rPr lang="en-GB" dirty="0"/>
+              <a:t>Entity Framework</a:t>
             </a:r>
           </a:p>
           <a:p>
@@ -7593,26 +7661,9 @@
           <a:lstStyle/>
           <a:p>
             <a:r>
-              <a:rPr lang="fr-BE" dirty="0" err="1"/>
-              <a:t>Static</a:t>
-            </a:r>
-            <a:r>
-              <a:rPr lang="fr-BE" dirty="0"/>
-              <a:t> </a:t>
-            </a:r>
-            <a:r>
-              <a:rPr lang="fr-BE" dirty="0" err="1"/>
-              <a:t>context</a:t>
-            </a:r>
-            <a:r>
-              <a:rPr lang="fr-BE" dirty="0"/>
-              <a:t> </a:t>
-            </a:r>
-            <a:r>
-              <a:rPr lang="fr-BE" dirty="0" err="1"/>
-              <a:t>diagram</a:t>
-            </a:r>
-            <a:endParaRPr lang="fr-FR" dirty="0"/>
+              <a:rPr lang="en-GB" dirty="0"/>
+              <a:t>Static context diagram</a:t>
+            </a:r>
           </a:p>
         </p:txBody>
       </p:sp>
@@ -7763,31 +7814,6 @@
               <a:rPr lang="fr-BE" dirty="0"/>
               <a:t>Use Case Diagram</a:t>
             </a:r>
-            <a:endParaRPr lang="fr-FR" dirty="0"/>
-          </a:p>
-        </p:txBody>
-      </p:sp>
-      <p:sp>
-        <p:nvSpPr>
-          <p:cNvPr id="3" name="Espace réservé du contenu 2">
-            <a:extLst>
-              <a:ext uri="{FF2B5EF4-FFF2-40B4-BE49-F238E27FC236}">
-                <a16:creationId xmlns:a16="http://schemas.microsoft.com/office/drawing/2014/main" id="{EA516B8B-BE49-4FF1-940A-81A8B05E9BBF}"/>
-              </a:ext>
-            </a:extLst>
-          </p:cNvPr>
-          <p:cNvSpPr>
-            <a:spLocks noGrp="1"/>
-          </p:cNvSpPr>
-          <p:nvPr>
-            <p:ph idx="1"/>
-          </p:nvPr>
-        </p:nvSpPr>
-        <p:spPr/>
-        <p:txBody>
-          <a:bodyPr/>
-          <a:lstStyle/>
-          <a:p>
             <a:endParaRPr lang="fr-FR" dirty="0"/>
           </a:p>
         </p:txBody>
